--- a/Webes rendszer.pptx
+++ b/Webes rendszer.pptx
@@ -3427,8 +3427,8 @@
           <a:p>
             <a:pPr lvl="1"/>
             <a:r>
-              <a:rPr lang="hu-HU" altLang="en-US" sz="2400"/>
-              <a:t>Szállás ajánló, ami kb. az eseményhez van közel</a:t>
+              <a:rPr lang="hu-HU" altLang="en-US"/>
+              <a:t>Felkínált helyek, ahol tartani lehet a rendezvényt</a:t>
             </a:r>
             <a:endParaRPr lang="hu-HU" altLang="en-US"/>
           </a:p>

--- a/Webes rendszer.pptx
+++ b/Webes rendszer.pptx
@@ -2938,7 +2938,12 @@
             <p:ph type="ctrTitle"/>
           </p:nvPr>
         </p:nvSpPr>
-        <p:spPr/>
+        <p:spPr>
+          <a:xfrm>
+            <a:off x="2049145" y="61595"/>
+            <a:ext cx="8094345" cy="1889760"/>
+          </a:xfrm>
+        </p:spPr>
         <p:txBody>
           <a:bodyPr/>
           <a:p>
@@ -2991,7 +2996,12 @@
             <p:ph type="subTitle" idx="1"/>
           </p:nvPr>
         </p:nvSpPr>
-        <p:spPr/>
+        <p:spPr>
+          <a:xfrm>
+            <a:off x="1524000" y="5105083"/>
+            <a:ext cx="9144000" cy="1655762"/>
+          </a:xfrm>
+        </p:spPr>
         <p:txBody>
           <a:bodyPr>
             <a:normAutofit lnSpcReduction="20000"/>
@@ -3040,7 +3050,7 @@
                   <a:schemeClr val="bg1"/>
                 </a:solidFill>
               </a:rPr>
-              <a:t>Farkas Gábor 262220</a:t>
+              <a:t>Farkas Gábor 26222041</a:t>
             </a:r>
             <a:endParaRPr lang="hu-HU" altLang="en-US">
               <a:solidFill>
@@ -3440,7 +3450,7 @@
             <a:pPr lvl="0"/>
             <a:r>
               <a:rPr lang="hu-HU" altLang="en-US"/>
-              <a:t>Nyiválnos esemény promó: </a:t>
+              <a:t>Nyilvános esemény promó: </a:t>
             </a:r>
             <a:endParaRPr lang="hu-HU" altLang="en-US"/>
           </a:p>

--- a/Webes rendszer.pptx
+++ b/Webes rendszer.pptx
@@ -3042,7 +3042,22 @@
               </a:rPr>
               <a:t>Farkas Gábor 262220</a:t>
             </a:r>
-            <a:endParaRPr lang="hu-HU" altLang="en-US">
+            <a:r>
+              <a:rPr lang="en-US" altLang="hu-HU">
+                <a:solidFill>
+                  <a:schemeClr val="bg1"/>
+                </a:solidFill>
+              </a:rPr>
+              <a:t>41</a:t>
+            </a:r>
+            <a:endParaRPr lang="en-US" altLang="hu-HU">
+              <a:solidFill>
+                <a:schemeClr val="bg1"/>
+              </a:solidFill>
+            </a:endParaRPr>
+          </a:p>
+          <a:p>
+            <a:endParaRPr lang="en-US" altLang="hu-HU">
               <a:solidFill>
                 <a:schemeClr val="bg1"/>
               </a:solidFill>

--- a/Webes rendszer.pptx
+++ b/Webes rendszer.pptx
@@ -3160,7 +3160,7 @@
           <a:p>
             <a:r>
               <a:rPr lang="hu-HU" altLang="en-US"/>
-              <a:t>Kezdetleges kinézet</a:t>
+              <a:t>Kezdetleges kezdőoldal kinézet</a:t>
             </a:r>
             <a:endParaRPr lang="hu-HU" altLang="en-US"/>
           </a:p>
